--- a/Documentation/Testy automatyczne aplikacji internetowej - Projekt zespołowy - Finalna prezentacja.pptx
+++ b/Documentation/Testy automatyczne aplikacji internetowej - Projekt zespołowy - Finalna prezentacja.pptx
@@ -133,6 +133,35 @@
 </p1510:revInfo>
 </file>
 
+<file path=ppt/changesInfos/changesInfo1.xml><?xml version="1.0" encoding="utf-8"?>
+<pc:chgInfo xmlns:a="http://schemas.openxmlformats.org/drawingml/2006/main" xmlns:r="http://schemas.openxmlformats.org/officeDocument/2006/relationships" xmlns:ac="http://schemas.microsoft.com/office/drawing/2013/main/command" xmlns:pc="http://schemas.microsoft.com/office/powerpoint/2013/main/command">
+  <pc:docChgLst>
+    <pc:chgData name="Dawid Łytka" userId="bcd26b1953ce4c3b" providerId="LiveId" clId="{B43B8666-CDF6-44FA-B643-04C1135A788D}"/>
+    <pc:docChg chg="custSel modSld">
+      <pc:chgData name="Dawid Łytka" userId="bcd26b1953ce4c3b" providerId="LiveId" clId="{B43B8666-CDF6-44FA-B643-04C1135A788D}" dt="2023-04-23T07:11:02.321" v="27" actId="1076"/>
+      <pc:docMkLst>
+        <pc:docMk/>
+      </pc:docMkLst>
+      <pc:sldChg chg="modSp mod">
+        <pc:chgData name="Dawid Łytka" userId="bcd26b1953ce4c3b" providerId="LiveId" clId="{B43B8666-CDF6-44FA-B643-04C1135A788D}" dt="2023-04-23T07:11:02.321" v="27" actId="1076"/>
+        <pc:sldMkLst>
+          <pc:docMk/>
+          <pc:sldMk cId="447031265" sldId="273"/>
+        </pc:sldMkLst>
+        <pc:spChg chg="mod">
+          <ac:chgData name="Dawid Łytka" userId="bcd26b1953ce4c3b" providerId="LiveId" clId="{B43B8666-CDF6-44FA-B643-04C1135A788D}" dt="2023-04-23T07:11:02.321" v="27" actId="1076"/>
+          <ac:spMkLst>
+            <pc:docMk/>
+            <pc:sldMk cId="447031265" sldId="273"/>
+            <ac:spMk id="4" creationId="{54E1706F-6A72-55ED-BA96-5301990F8A7A}"/>
+          </ac:spMkLst>
+        </pc:spChg>
+      </pc:sldChg>
+    </pc:docChg>
+  </pc:docChgLst>
+</pc:chgInfo>
+</file>
+
 <file path=ppt/slideLayouts/slideLayout1.xml><?xml version="1.0" encoding="utf-8"?>
 <p:sldLayout xmlns:a="http://schemas.openxmlformats.org/drawingml/2006/main" xmlns:r="http://schemas.openxmlformats.org/officeDocument/2006/relationships" xmlns:p="http://schemas.openxmlformats.org/presentationml/2006/main" type="title" preserve="1">
   <p:cSld name="Title Slide">
@@ -281,7 +310,7 @@
           <a:p>
             <a:fld id="{AA70F276-1833-4A75-9C1D-A56E2295A68D}" type="datetimeFigureOut">
               <a:rPr lang="en-US" smtClean="0"/>
-              <a:t>4/22/2023</a:t>
+              <a:t>4/23/2023</a:t>
             </a:fld>
             <a:endParaRPr lang="en-US"/>
           </a:p>
@@ -479,7 +508,7 @@
           <a:p>
             <a:fld id="{AA70F276-1833-4A75-9C1D-A56E2295A68D}" type="datetimeFigureOut">
               <a:rPr lang="en-US" smtClean="0"/>
-              <a:t>4/22/2023</a:t>
+              <a:t>4/23/2023</a:t>
             </a:fld>
             <a:endParaRPr lang="en-US"/>
           </a:p>
@@ -687,7 +716,7 @@
           <a:p>
             <a:fld id="{AA70F276-1833-4A75-9C1D-A56E2295A68D}" type="datetimeFigureOut">
               <a:rPr lang="en-US" smtClean="0"/>
-              <a:t>4/22/2023</a:t>
+              <a:t>4/23/2023</a:t>
             </a:fld>
             <a:endParaRPr lang="en-US"/>
           </a:p>
@@ -912,7 +941,7 @@
           <a:p>
             <a:fld id="{AA70F276-1833-4A75-9C1D-A56E2295A68D}" type="datetimeFigureOut">
               <a:rPr lang="en-US" smtClean="0"/>
-              <a:t>4/22/2023</a:t>
+              <a:t>4/23/2023</a:t>
             </a:fld>
             <a:endParaRPr lang="en-US"/>
           </a:p>
@@ -1188,7 +1217,7 @@
           <a:p>
             <a:fld id="{AA70F276-1833-4A75-9C1D-A56E2295A68D}" type="datetimeFigureOut">
               <a:rPr lang="en-US" smtClean="0"/>
-              <a:t>4/22/2023</a:t>
+              <a:t>4/23/2023</a:t>
             </a:fld>
             <a:endParaRPr lang="en-US"/>
           </a:p>
@@ -1458,7 +1487,7 @@
           <a:p>
             <a:fld id="{AA70F276-1833-4A75-9C1D-A56E2295A68D}" type="datetimeFigureOut">
               <a:rPr lang="en-US" smtClean="0"/>
-              <a:t>4/22/2023</a:t>
+              <a:t>4/23/2023</a:t>
             </a:fld>
             <a:endParaRPr lang="en-US"/>
           </a:p>
@@ -1870,7 +1899,7 @@
           <a:p>
             <a:fld id="{AA70F276-1833-4A75-9C1D-A56E2295A68D}" type="datetimeFigureOut">
               <a:rPr lang="en-US" smtClean="0"/>
-              <a:t>4/22/2023</a:t>
+              <a:t>4/23/2023</a:t>
             </a:fld>
             <a:endParaRPr lang="en-US"/>
           </a:p>
@@ -2011,7 +2040,7 @@
           <a:p>
             <a:fld id="{AA70F276-1833-4A75-9C1D-A56E2295A68D}" type="datetimeFigureOut">
               <a:rPr lang="en-US" smtClean="0"/>
-              <a:t>4/22/2023</a:t>
+              <a:t>4/23/2023</a:t>
             </a:fld>
             <a:endParaRPr lang="en-US"/>
           </a:p>
@@ -2124,7 +2153,7 @@
           <a:p>
             <a:fld id="{AA70F276-1833-4A75-9C1D-A56E2295A68D}" type="datetimeFigureOut">
               <a:rPr lang="en-US" smtClean="0"/>
-              <a:t>4/22/2023</a:t>
+              <a:t>4/23/2023</a:t>
             </a:fld>
             <a:endParaRPr lang="en-US"/>
           </a:p>
@@ -2435,7 +2464,7 @@
           <a:p>
             <a:fld id="{AA70F276-1833-4A75-9C1D-A56E2295A68D}" type="datetimeFigureOut">
               <a:rPr lang="en-US" smtClean="0"/>
-              <a:t>4/22/2023</a:t>
+              <a:t>4/23/2023</a:t>
             </a:fld>
             <a:endParaRPr lang="en-US"/>
           </a:p>
@@ -2726,7 +2755,7 @@
           <a:p>
             <a:fld id="{AA70F276-1833-4A75-9C1D-A56E2295A68D}" type="datetimeFigureOut">
               <a:rPr lang="en-US" smtClean="0"/>
-              <a:t>4/22/2023</a:t>
+              <a:t>4/23/2023</a:t>
             </a:fld>
             <a:endParaRPr lang="en-US"/>
           </a:p>
@@ -3034,7 +3063,7 @@
             <a:fld id="{AA70F276-1833-4A75-9C1D-A56E2295A68D}" type="datetimeFigureOut">
               <a:rPr lang="en-US" smtClean="0"/>
               <a:pPr/>
-              <a:t>4/22/2023</a:t>
+              <a:t>4/23/2023</a:t>
             </a:fld>
             <a:endParaRPr lang="en-US" dirty="0"/>
           </a:p>
@@ -4572,8 +4601,8 @@
         </p:nvSpPr>
         <p:spPr>
           <a:xfrm>
-            <a:off x="711200" y="1117309"/>
-            <a:ext cx="2661920" cy="2368469"/>
+            <a:off x="325120" y="1117309"/>
+            <a:ext cx="2661920" cy="2659895"/>
           </a:xfrm>
           <a:prstGeom prst="rect">
             <a:avLst/>
@@ -4601,7 +4630,25 @@
                 <a:ea typeface="Times New Roman" panose="02020603050405020304" pitchFamily="18" charset="0"/>
                 <a:cs typeface="Times New Roman" panose="02020603050405020304" pitchFamily="18" charset="0"/>
               </a:rPr>
-              <a:t>Stworzenie:</a:t>
+              <a:t>Stworzenie scenariuszy w </a:t>
+            </a:r>
+            <a:r>
+              <a:rPr lang="pl-PL" sz="1800" kern="0" dirty="0" err="1">
+                <a:effectLst/>
+                <a:latin typeface="Times New Roman" panose="02020603050405020304" pitchFamily="18" charset="0"/>
+                <a:ea typeface="Times New Roman" panose="02020603050405020304" pitchFamily="18" charset="0"/>
+                <a:cs typeface="Times New Roman" panose="02020603050405020304" pitchFamily="18" charset="0"/>
+              </a:rPr>
+              <a:t>tapescript</a:t>
+            </a:r>
+            <a:r>
+              <a:rPr lang="pl-PL" sz="1800" kern="0" dirty="0">
+                <a:effectLst/>
+                <a:latin typeface="Times New Roman" panose="02020603050405020304" pitchFamily="18" charset="0"/>
+                <a:ea typeface="Times New Roman" panose="02020603050405020304" pitchFamily="18" charset="0"/>
+                <a:cs typeface="Times New Roman" panose="02020603050405020304" pitchFamily="18" charset="0"/>
+              </a:rPr>
+              <a:t>:</a:t>
             </a:r>
           </a:p>
           <a:p>
